--- a/lessions/Android_Par05_IntentAndContentProvider.pptx
+++ b/lessions/Android_Par05_IntentAndContentProvider.pptx
@@ -362,7 +362,7 @@
             <a:pPr>
               <a:defRPr/>
             </a:pPr>
-            <a:fld id="{53EDD033-1E69-442E-8000-9235B4743544}" type="slidenum">
+            <a:fld id="{E45815DB-D407-4021-B207-DD0094559990}" type="slidenum">
               <a:rPr lang="en-US"/>
               <a:pPr>
                 <a:defRPr/>
@@ -684,7 +684,7 @@
             <a:pPr>
               <a:defRPr/>
             </a:pPr>
-            <a:fld id="{22254D26-860B-4924-851F-24447B4346DA}" type="slidenum">
+            <a:fld id="{59D63571-12B7-42CA-A415-F519BF10BEA9}" type="slidenum">
               <a:rPr lang="en-US"/>
               <a:pPr>
                 <a:defRPr/>
@@ -857,7 +857,7 @@
           <a:bodyPr/>
           <a:lstStyle/>
           <a:p>
-            <a:fld id="{0BB60637-5336-48D0-95CC-CA8FF7F4AC6F}" type="slidenum">
+            <a:fld id="{53D7D5AF-021B-4F2E-BF96-CDA2E8646B9A}" type="slidenum">
               <a:rPr lang="en-US" smtClean="0"/>
               <a:pPr/>
               <a:t>1</a:t>
@@ -930,7 +930,7 @@
       </p:grpSpPr>
       <p:sp>
         <p:nvSpPr>
-          <p:cNvPr id="41986" name="Slide Image Placeholder 1"/>
+          <p:cNvPr id="34817" name="Slide Image Placeholder 1"/>
           <p:cNvSpPr>
             <a:spLocks noGrp="1" noRot="1" noChangeAspect="1" noTextEdit="1"/>
           </p:cNvSpPr>
@@ -944,7 +944,7 @@
       </p:sp>
       <p:sp>
         <p:nvSpPr>
-          <p:cNvPr id="41987" name="Notes Placeholder 2"/>
+          <p:cNvPr id="34818" name="Notes Placeholder 2"/>
           <p:cNvSpPr>
             <a:spLocks noGrp="1"/>
           </p:cNvSpPr>
@@ -971,7 +971,7 @@
       </p:sp>
       <p:sp>
         <p:nvSpPr>
-          <p:cNvPr id="41988" name="Slide Number Placeholder 3"/>
+          <p:cNvPr id="34819" name="Slide Number Placeholder 3"/>
           <p:cNvSpPr txBox="1">
             <a:spLocks noGrp="1"/>
           </p:cNvSpPr>
@@ -998,7 +998,7 @@
           <a:lstStyle/>
           <a:p>
             <a:pPr algn="r"/>
-            <a:fld id="{82F3F9AA-1920-4C4F-AC02-2A9F4CE5810D}" type="slidenum">
+            <a:fld id="{5C1602E0-48AC-44CB-860C-41018D581EF3}" type="slidenum">
               <a:rPr lang="en-US" sz="1200">
                 <a:latin typeface="Calibri" pitchFamily="34" charset="0"/>
               </a:rPr>
@@ -1038,7 +1038,7 @@
       </p:grpSpPr>
       <p:sp>
         <p:nvSpPr>
-          <p:cNvPr id="44034" name="Slide Image Placeholder 1"/>
+          <p:cNvPr id="36865" name="Slide Image Placeholder 1"/>
           <p:cNvSpPr>
             <a:spLocks noGrp="1" noRot="1" noChangeAspect="1" noTextEdit="1"/>
           </p:cNvSpPr>
@@ -1052,7 +1052,7 @@
       </p:sp>
       <p:sp>
         <p:nvSpPr>
-          <p:cNvPr id="44035" name="Notes Placeholder 2"/>
+          <p:cNvPr id="36866" name="Notes Placeholder 2"/>
           <p:cNvSpPr>
             <a:spLocks noGrp="1"/>
           </p:cNvSpPr>
@@ -1079,7 +1079,7 @@
       </p:sp>
       <p:sp>
         <p:nvSpPr>
-          <p:cNvPr id="44036" name="Slide Number Placeholder 3"/>
+          <p:cNvPr id="36867" name="Slide Number Placeholder 3"/>
           <p:cNvSpPr txBox="1">
             <a:spLocks noGrp="1"/>
           </p:cNvSpPr>
@@ -1106,7 +1106,7 @@
           <a:lstStyle/>
           <a:p>
             <a:pPr algn="r"/>
-            <a:fld id="{C35236F3-41FC-41A4-B63D-18E0C1EC8BCB}" type="slidenum">
+            <a:fld id="{559A9FDE-FBC2-4C62-A5C5-C1677E365606}" type="slidenum">
               <a:rPr lang="en-US" sz="1200">
                 <a:latin typeface="Calibri" pitchFamily="34" charset="0"/>
               </a:rPr>
@@ -1146,7 +1146,7 @@
       </p:grpSpPr>
       <p:sp>
         <p:nvSpPr>
-          <p:cNvPr id="46082" name="Slide Image Placeholder 1"/>
+          <p:cNvPr id="38913" name="Slide Image Placeholder 1"/>
           <p:cNvSpPr>
             <a:spLocks noGrp="1" noRot="1" noChangeAspect="1" noTextEdit="1"/>
           </p:cNvSpPr>
@@ -1160,7 +1160,7 @@
       </p:sp>
       <p:sp>
         <p:nvSpPr>
-          <p:cNvPr id="46083" name="Notes Placeholder 2"/>
+          <p:cNvPr id="38914" name="Notes Placeholder 2"/>
           <p:cNvSpPr>
             <a:spLocks noGrp="1"/>
           </p:cNvSpPr>
@@ -1187,7 +1187,7 @@
       </p:sp>
       <p:sp>
         <p:nvSpPr>
-          <p:cNvPr id="46084" name="Slide Number Placeholder 3"/>
+          <p:cNvPr id="38915" name="Slide Number Placeholder 3"/>
           <p:cNvSpPr txBox="1">
             <a:spLocks noGrp="1"/>
           </p:cNvSpPr>
@@ -1214,7 +1214,7 @@
           <a:lstStyle/>
           <a:p>
             <a:pPr algn="r"/>
-            <a:fld id="{CCE5C77E-F87F-42E6-A355-4C5BC4F59E72}" type="slidenum">
+            <a:fld id="{2D87CB13-B5D5-4E6F-9EFD-D56F594AE0E3}" type="slidenum">
               <a:rPr lang="en-US" sz="1200">
                 <a:latin typeface="Calibri" pitchFamily="34" charset="0"/>
               </a:rPr>
@@ -1254,7 +1254,7 @@
       </p:grpSpPr>
       <p:sp>
         <p:nvSpPr>
-          <p:cNvPr id="48130" name="Slide Image Placeholder 1"/>
+          <p:cNvPr id="40961" name="Slide Image Placeholder 1"/>
           <p:cNvSpPr>
             <a:spLocks noGrp="1" noRot="1" noChangeAspect="1" noTextEdit="1"/>
           </p:cNvSpPr>
@@ -1268,7 +1268,7 @@
       </p:sp>
       <p:sp>
         <p:nvSpPr>
-          <p:cNvPr id="48131" name="Notes Placeholder 2"/>
+          <p:cNvPr id="40962" name="Notes Placeholder 2"/>
           <p:cNvSpPr>
             <a:spLocks noGrp="1"/>
           </p:cNvSpPr>
@@ -1295,7 +1295,7 @@
       </p:sp>
       <p:sp>
         <p:nvSpPr>
-          <p:cNvPr id="48132" name="Slide Number Placeholder 3"/>
+          <p:cNvPr id="40963" name="Slide Number Placeholder 3"/>
           <p:cNvSpPr txBox="1">
             <a:spLocks noGrp="1"/>
           </p:cNvSpPr>
@@ -1322,7 +1322,7 @@
           <a:lstStyle/>
           <a:p>
             <a:pPr algn="r"/>
-            <a:fld id="{F25E9392-6BF3-4792-975C-D29003BBFC96}" type="slidenum">
+            <a:fld id="{88BE5B35-A786-40F3-8518-2B371FD57983}" type="slidenum">
               <a:rPr lang="en-US" sz="1200">
                 <a:latin typeface="Calibri" pitchFamily="34" charset="0"/>
               </a:rPr>
@@ -1362,7 +1362,7 @@
       </p:grpSpPr>
       <p:sp>
         <p:nvSpPr>
-          <p:cNvPr id="50178" name="Slide Image Placeholder 1"/>
+          <p:cNvPr id="43009" name="Slide Image Placeholder 1"/>
           <p:cNvSpPr>
             <a:spLocks noGrp="1" noRot="1" noChangeAspect="1" noTextEdit="1"/>
           </p:cNvSpPr>
@@ -1376,7 +1376,7 @@
       </p:sp>
       <p:sp>
         <p:nvSpPr>
-          <p:cNvPr id="50179" name="Notes Placeholder 2"/>
+          <p:cNvPr id="43010" name="Notes Placeholder 2"/>
           <p:cNvSpPr>
             <a:spLocks noGrp="1"/>
           </p:cNvSpPr>
@@ -1403,7 +1403,7 @@
       </p:sp>
       <p:sp>
         <p:nvSpPr>
-          <p:cNvPr id="50180" name="Slide Number Placeholder 3"/>
+          <p:cNvPr id="43011" name="Slide Number Placeholder 3"/>
           <p:cNvSpPr txBox="1">
             <a:spLocks noGrp="1"/>
           </p:cNvSpPr>
@@ -1430,7 +1430,7 @@
           <a:lstStyle/>
           <a:p>
             <a:pPr algn="r"/>
-            <a:fld id="{59EE8E14-47A0-43A7-ACAF-9BCDC754C817}" type="slidenum">
+            <a:fld id="{32E57B86-B38B-4C31-8F71-921FD75515D6}" type="slidenum">
               <a:rPr lang="en-US" sz="1200">
                 <a:latin typeface="Calibri" pitchFamily="34" charset="0"/>
               </a:rPr>
@@ -1470,7 +1470,7 @@
       </p:grpSpPr>
       <p:sp>
         <p:nvSpPr>
-          <p:cNvPr id="25602" name="Slide Image Placeholder 1"/>
+          <p:cNvPr id="18433" name="Slide Image Placeholder 1"/>
           <p:cNvSpPr>
             <a:spLocks noGrp="1" noRot="1" noChangeAspect="1" noTextEdit="1"/>
           </p:cNvSpPr>
@@ -1484,7 +1484,7 @@
       </p:sp>
       <p:sp>
         <p:nvSpPr>
-          <p:cNvPr id="25603" name="Notes Placeholder 2"/>
+          <p:cNvPr id="18434" name="Notes Placeholder 2"/>
           <p:cNvSpPr>
             <a:spLocks noGrp="1"/>
           </p:cNvSpPr>
@@ -1511,7 +1511,7 @@
       </p:sp>
       <p:sp>
         <p:nvSpPr>
-          <p:cNvPr id="25604" name="Slide Number Placeholder 3"/>
+          <p:cNvPr id="18435" name="Slide Number Placeholder 3"/>
           <p:cNvSpPr txBox="1">
             <a:spLocks noGrp="1"/>
           </p:cNvSpPr>
@@ -1538,7 +1538,7 @@
           <a:lstStyle/>
           <a:p>
             <a:pPr algn="r"/>
-            <a:fld id="{059FE179-8F84-4BA1-B675-EF2C4B4288CD}" type="slidenum">
+            <a:fld id="{71A3A6D7-AC7B-4A86-B2D1-B3606F6C4EBA}" type="slidenum">
               <a:rPr lang="en-US" sz="1200">
                 <a:latin typeface="Calibri" pitchFamily="34" charset="0"/>
               </a:rPr>
@@ -1578,7 +1578,7 @@
       </p:grpSpPr>
       <p:sp>
         <p:nvSpPr>
-          <p:cNvPr id="27650" name="Slide Image Placeholder 1"/>
+          <p:cNvPr id="20481" name="Slide Image Placeholder 1"/>
           <p:cNvSpPr>
             <a:spLocks noGrp="1" noRot="1" noChangeAspect="1" noTextEdit="1"/>
           </p:cNvSpPr>
@@ -1592,7 +1592,7 @@
       </p:sp>
       <p:sp>
         <p:nvSpPr>
-          <p:cNvPr id="27651" name="Notes Placeholder 2"/>
+          <p:cNvPr id="20482" name="Notes Placeholder 2"/>
           <p:cNvSpPr>
             <a:spLocks noGrp="1"/>
           </p:cNvSpPr>
@@ -1619,7 +1619,7 @@
       </p:sp>
       <p:sp>
         <p:nvSpPr>
-          <p:cNvPr id="27652" name="Slide Number Placeholder 3"/>
+          <p:cNvPr id="20483" name="Slide Number Placeholder 3"/>
           <p:cNvSpPr txBox="1">
             <a:spLocks noGrp="1"/>
           </p:cNvSpPr>
@@ -1646,7 +1646,7 @@
           <a:lstStyle/>
           <a:p>
             <a:pPr algn="r"/>
-            <a:fld id="{7B7200F4-A643-4B31-908A-AF413CE4C8FC}" type="slidenum">
+            <a:fld id="{DECF1345-77E2-4BD1-8660-924E23DC7F11}" type="slidenum">
               <a:rPr lang="en-US" sz="1200">
                 <a:latin typeface="Calibri" pitchFamily="34" charset="0"/>
               </a:rPr>
@@ -1686,7 +1686,7 @@
       </p:grpSpPr>
       <p:sp>
         <p:nvSpPr>
-          <p:cNvPr id="29698" name="Slide Image Placeholder 1"/>
+          <p:cNvPr id="22529" name="Slide Image Placeholder 1"/>
           <p:cNvSpPr>
             <a:spLocks noGrp="1" noRot="1" noChangeAspect="1" noTextEdit="1"/>
           </p:cNvSpPr>
@@ -1700,7 +1700,7 @@
       </p:sp>
       <p:sp>
         <p:nvSpPr>
-          <p:cNvPr id="29699" name="Notes Placeholder 2"/>
+          <p:cNvPr id="22530" name="Notes Placeholder 2"/>
           <p:cNvSpPr>
             <a:spLocks noGrp="1"/>
           </p:cNvSpPr>
@@ -1727,7 +1727,7 @@
       </p:sp>
       <p:sp>
         <p:nvSpPr>
-          <p:cNvPr id="29700" name="Slide Number Placeholder 3"/>
+          <p:cNvPr id="22531" name="Slide Number Placeholder 3"/>
           <p:cNvSpPr txBox="1">
             <a:spLocks noGrp="1"/>
           </p:cNvSpPr>
@@ -1754,7 +1754,7 @@
           <a:lstStyle/>
           <a:p>
             <a:pPr algn="r"/>
-            <a:fld id="{0A5A952E-0E57-478D-B30E-6D86DB3D10AB}" type="slidenum">
+            <a:fld id="{87B18F1C-B1A3-4818-A4A9-FF63B8ED9763}" type="slidenum">
               <a:rPr lang="en-US" sz="1200">
                 <a:latin typeface="Calibri" pitchFamily="34" charset="0"/>
               </a:rPr>
@@ -1794,7 +1794,7 @@
       </p:grpSpPr>
       <p:sp>
         <p:nvSpPr>
-          <p:cNvPr id="31746" name="Slide Image Placeholder 1"/>
+          <p:cNvPr id="24577" name="Slide Image Placeholder 1"/>
           <p:cNvSpPr>
             <a:spLocks noGrp="1" noRot="1" noChangeAspect="1" noTextEdit="1"/>
           </p:cNvSpPr>
@@ -1808,7 +1808,7 @@
       </p:sp>
       <p:sp>
         <p:nvSpPr>
-          <p:cNvPr id="31747" name="Notes Placeholder 2"/>
+          <p:cNvPr id="24578" name="Notes Placeholder 2"/>
           <p:cNvSpPr>
             <a:spLocks noGrp="1"/>
           </p:cNvSpPr>
@@ -1835,7 +1835,7 @@
       </p:sp>
       <p:sp>
         <p:nvSpPr>
-          <p:cNvPr id="31748" name="Slide Number Placeholder 3"/>
+          <p:cNvPr id="24579" name="Slide Number Placeholder 3"/>
           <p:cNvSpPr txBox="1">
             <a:spLocks noGrp="1"/>
           </p:cNvSpPr>
@@ -1862,7 +1862,7 @@
           <a:lstStyle/>
           <a:p>
             <a:pPr algn="r"/>
-            <a:fld id="{90EC6E05-2595-49D6-A072-0401579B5C45}" type="slidenum">
+            <a:fld id="{A9177CCD-E4D6-44F8-9970-7808B3B3800F}" type="slidenum">
               <a:rPr lang="en-US" sz="1200">
                 <a:latin typeface="Calibri" pitchFamily="34" charset="0"/>
               </a:rPr>
@@ -1902,7 +1902,7 @@
       </p:grpSpPr>
       <p:sp>
         <p:nvSpPr>
-          <p:cNvPr id="33794" name="Slide Image Placeholder 1"/>
+          <p:cNvPr id="26625" name="Slide Image Placeholder 1"/>
           <p:cNvSpPr>
             <a:spLocks noGrp="1" noRot="1" noChangeAspect="1" noTextEdit="1"/>
           </p:cNvSpPr>
@@ -1916,7 +1916,7 @@
       </p:sp>
       <p:sp>
         <p:nvSpPr>
-          <p:cNvPr id="33795" name="Notes Placeholder 2"/>
+          <p:cNvPr id="26626" name="Notes Placeholder 2"/>
           <p:cNvSpPr>
             <a:spLocks noGrp="1"/>
           </p:cNvSpPr>
@@ -1943,7 +1943,7 @@
       </p:sp>
       <p:sp>
         <p:nvSpPr>
-          <p:cNvPr id="33796" name="Slide Number Placeholder 3"/>
+          <p:cNvPr id="26627" name="Slide Number Placeholder 3"/>
           <p:cNvSpPr txBox="1">
             <a:spLocks noGrp="1"/>
           </p:cNvSpPr>
@@ -1970,7 +1970,7 @@
           <a:lstStyle/>
           <a:p>
             <a:pPr algn="r"/>
-            <a:fld id="{8B5AF04B-4EC8-4A5B-9F3F-7AF64E29E94C}" type="slidenum">
+            <a:fld id="{CD63F472-B454-4A0A-B016-40CFEFDF5578}" type="slidenum">
               <a:rPr lang="en-US" sz="1200">
                 <a:latin typeface="Calibri" pitchFamily="34" charset="0"/>
               </a:rPr>
@@ -2010,7 +2010,7 @@
       </p:grpSpPr>
       <p:sp>
         <p:nvSpPr>
-          <p:cNvPr id="35842" name="Slide Image Placeholder 1"/>
+          <p:cNvPr id="28673" name="Slide Image Placeholder 1"/>
           <p:cNvSpPr>
             <a:spLocks noGrp="1" noRot="1" noChangeAspect="1" noTextEdit="1"/>
           </p:cNvSpPr>
@@ -2024,7 +2024,7 @@
       </p:sp>
       <p:sp>
         <p:nvSpPr>
-          <p:cNvPr id="35843" name="Notes Placeholder 2"/>
+          <p:cNvPr id="28674" name="Notes Placeholder 2"/>
           <p:cNvSpPr>
             <a:spLocks noGrp="1"/>
           </p:cNvSpPr>
@@ -2051,7 +2051,7 @@
       </p:sp>
       <p:sp>
         <p:nvSpPr>
-          <p:cNvPr id="35844" name="Slide Number Placeholder 3"/>
+          <p:cNvPr id="28675" name="Slide Number Placeholder 3"/>
           <p:cNvSpPr txBox="1">
             <a:spLocks noGrp="1"/>
           </p:cNvSpPr>
@@ -2078,7 +2078,7 @@
           <a:lstStyle/>
           <a:p>
             <a:pPr algn="r"/>
-            <a:fld id="{1E50A197-FC8E-4E51-B8B6-557B1EF2CB6E}" type="slidenum">
+            <a:fld id="{9C61D14E-1B33-4786-8D25-84346ACBEBE4}" type="slidenum">
               <a:rPr lang="en-US" sz="1200">
                 <a:latin typeface="Calibri" pitchFamily="34" charset="0"/>
               </a:rPr>
@@ -2118,7 +2118,7 @@
       </p:grpSpPr>
       <p:sp>
         <p:nvSpPr>
-          <p:cNvPr id="37890" name="Slide Image Placeholder 1"/>
+          <p:cNvPr id="30721" name="Slide Image Placeholder 1"/>
           <p:cNvSpPr>
             <a:spLocks noGrp="1" noRot="1" noChangeAspect="1" noTextEdit="1"/>
           </p:cNvSpPr>
@@ -2132,7 +2132,7 @@
       </p:sp>
       <p:sp>
         <p:nvSpPr>
-          <p:cNvPr id="37891" name="Notes Placeholder 2"/>
+          <p:cNvPr id="30722" name="Notes Placeholder 2"/>
           <p:cNvSpPr>
             <a:spLocks noGrp="1"/>
           </p:cNvSpPr>
@@ -2159,7 +2159,7 @@
       </p:sp>
       <p:sp>
         <p:nvSpPr>
-          <p:cNvPr id="37892" name="Slide Number Placeholder 3"/>
+          <p:cNvPr id="30723" name="Slide Number Placeholder 3"/>
           <p:cNvSpPr txBox="1">
             <a:spLocks noGrp="1"/>
           </p:cNvSpPr>
@@ -2186,7 +2186,7 @@
           <a:lstStyle/>
           <a:p>
             <a:pPr algn="r"/>
-            <a:fld id="{D2525173-2C29-4E72-93BA-FA26583A10CD}" type="slidenum">
+            <a:fld id="{B2EF3C01-D8A5-46F1-8E38-80D790432A7E}" type="slidenum">
               <a:rPr lang="en-US" sz="1200">
                 <a:latin typeface="Calibri" pitchFamily="34" charset="0"/>
               </a:rPr>
@@ -2226,7 +2226,7 @@
       </p:grpSpPr>
       <p:sp>
         <p:nvSpPr>
-          <p:cNvPr id="39938" name="Slide Image Placeholder 1"/>
+          <p:cNvPr id="32769" name="Slide Image Placeholder 1"/>
           <p:cNvSpPr>
             <a:spLocks noGrp="1" noRot="1" noChangeAspect="1" noTextEdit="1"/>
           </p:cNvSpPr>
@@ -2240,7 +2240,7 @@
       </p:sp>
       <p:sp>
         <p:nvSpPr>
-          <p:cNvPr id="39939" name="Notes Placeholder 2"/>
+          <p:cNvPr id="32770" name="Notes Placeholder 2"/>
           <p:cNvSpPr>
             <a:spLocks noGrp="1"/>
           </p:cNvSpPr>
@@ -2267,7 +2267,7 @@
       </p:sp>
       <p:sp>
         <p:nvSpPr>
-          <p:cNvPr id="39940" name="Slide Number Placeholder 3"/>
+          <p:cNvPr id="32771" name="Slide Number Placeholder 3"/>
           <p:cNvSpPr txBox="1">
             <a:spLocks noGrp="1"/>
           </p:cNvSpPr>
@@ -2294,7 +2294,7 @@
           <a:lstStyle/>
           <a:p>
             <a:pPr algn="r"/>
-            <a:fld id="{003CB4E8-B09A-4D5D-B531-9207884903D9}" type="slidenum">
+            <a:fld id="{7FC6F9F4-4F57-475C-9069-5FBDE383FA8E}" type="slidenum">
               <a:rPr lang="en-US" sz="1200">
                 <a:latin typeface="Calibri" pitchFamily="34" charset="0"/>
               </a:rPr>
@@ -2634,12 +2634,12 @@
             <a:pPr>
               <a:defRPr/>
             </a:pPr>
-            <a:fld id="{30DC3F7A-4D21-4A62-974E-CBCE43F517C0}" type="datetime1">
+            <a:fld id="{E644DC4A-8893-45E1-8CBF-90035F794A44}" type="datetime1">
               <a:rPr lang="vi-VN"/>
               <a:pPr>
                 <a:defRPr/>
               </a:pPr>
-              <a:t>24/10/2011</a:t>
+              <a:t>26/10/2011</a:t>
             </a:fld>
             <a:endParaRPr lang="en-US"/>
           </a:p>
@@ -2802,12 +2802,12 @@
             <a:pPr>
               <a:defRPr/>
             </a:pPr>
-            <a:fld id="{FC5A052B-3471-41EA-915B-35EA0E5C4816}" type="datetime1">
+            <a:fld id="{CF615FF4-8AC3-4F57-A466-144D5E0AE2A1}" type="datetime1">
               <a:rPr lang="vi-VN"/>
               <a:pPr>
                 <a:defRPr/>
               </a:pPr>
-              <a:t>24/10/2011</a:t>
+              <a:t>26/10/2011</a:t>
             </a:fld>
             <a:endParaRPr lang="en-US"/>
           </a:p>
@@ -2868,7 +2868,7 @@
             <a:pPr>
               <a:defRPr/>
             </a:pPr>
-            <a:fld id="{00A4A557-02C8-4A7C-AF4A-3BE272E522C2}" type="slidenum">
+            <a:fld id="{1E4BD737-0A9A-4FE1-9F94-DBDCCFBC5958}" type="slidenum">
               <a:rPr lang="en-US"/>
               <a:pPr>
                 <a:defRPr/>
@@ -3013,12 +3013,12 @@
             <a:pPr>
               <a:defRPr/>
             </a:pPr>
-            <a:fld id="{ADE02F49-AE9D-4605-9C6E-F12B232EC493}" type="datetime1">
+            <a:fld id="{453A9362-8EE5-478D-9165-BAA889D76245}" type="datetime1">
               <a:rPr lang="vi-VN"/>
               <a:pPr>
                 <a:defRPr/>
               </a:pPr>
-              <a:t>24/10/2011</a:t>
+              <a:t>26/10/2011</a:t>
             </a:fld>
             <a:endParaRPr lang="en-US"/>
           </a:p>
@@ -3079,7 +3079,7 @@
             <a:pPr>
               <a:defRPr/>
             </a:pPr>
-            <a:fld id="{AFCE5B99-2436-41CF-92BB-70F6AF46DA00}" type="slidenum">
+            <a:fld id="{58C4EAAE-CA3A-4FC6-8938-0955B5C9749B}" type="slidenum">
               <a:rPr lang="en-US"/>
               <a:pPr>
                 <a:defRPr/>
@@ -3214,12 +3214,12 @@
             <a:pPr>
               <a:defRPr/>
             </a:pPr>
-            <a:fld id="{E3C4EE30-0383-4B45-9A43-5B6FE343B400}" type="datetime1">
+            <a:fld id="{11DBD0A5-4029-4FA8-B573-594DF3F54E8F}" type="datetime1">
               <a:rPr lang="vi-VN"/>
               <a:pPr>
                 <a:defRPr/>
               </a:pPr>
-              <a:t>24/10/2011</a:t>
+              <a:t>26/10/2011</a:t>
             </a:fld>
             <a:endParaRPr lang="en-US"/>
           </a:p>
@@ -3280,7 +3280,7 @@
             <a:pPr>
               <a:defRPr/>
             </a:pPr>
-            <a:fld id="{ADA5B5E3-DEA7-4FE0-9F8A-B3D7AE96A69F}" type="slidenum">
+            <a:fld id="{5A83036C-0473-43B3-8011-7830444C0CB4}" type="slidenum">
               <a:rPr lang="en-US"/>
               <a:pPr>
                 <a:defRPr/>
@@ -3437,12 +3437,12 @@
             <a:pPr>
               <a:defRPr/>
             </a:pPr>
-            <a:fld id="{95417004-2A79-4443-9589-C75F94B7D4CC}" type="datetime1">
+            <a:fld id="{6A05F528-E464-4E12-9291-B22841F4DDC3}" type="datetime1">
               <a:rPr lang="vi-VN"/>
               <a:pPr>
                 <a:defRPr/>
               </a:pPr>
-              <a:t>24/10/2011</a:t>
+              <a:t>26/10/2011</a:t>
             </a:fld>
             <a:endParaRPr lang="en-US"/>
           </a:p>
@@ -3503,7 +3503,7 @@
             <a:pPr>
               <a:defRPr/>
             </a:pPr>
-            <a:fld id="{CCE460E1-D0D0-49A0-B808-FF2A7DA63B22}" type="slidenum">
+            <a:fld id="{3E8A111F-DA55-4E0D-B1A1-0D310F139F34}" type="slidenum">
               <a:rPr lang="en-US"/>
               <a:pPr>
                 <a:defRPr/>
@@ -3756,12 +3756,12 @@
             <a:pPr>
               <a:defRPr/>
             </a:pPr>
-            <a:fld id="{59F2C699-87E1-44CC-8266-B922997C0F60}" type="datetime1">
+            <a:fld id="{DD3395B3-E4E6-4FA7-876E-8869B0C912E2}" type="datetime1">
               <a:rPr lang="vi-VN"/>
               <a:pPr>
                 <a:defRPr/>
               </a:pPr>
-              <a:t>24/10/2011</a:t>
+              <a:t>26/10/2011</a:t>
             </a:fld>
             <a:endParaRPr lang="en-US"/>
           </a:p>
@@ -3822,7 +3822,7 @@
             <a:pPr>
               <a:defRPr/>
             </a:pPr>
-            <a:fld id="{2E4024EA-D473-46C2-BD97-ED671F79C10B}" type="slidenum">
+            <a:fld id="{1D75DB39-74D9-43F9-8664-3DD093F949FA}" type="slidenum">
               <a:rPr lang="en-US"/>
               <a:pPr>
                 <a:defRPr/>
@@ -4214,12 +4214,12 @@
             <a:pPr>
               <a:defRPr/>
             </a:pPr>
-            <a:fld id="{C90DAC3E-A9D5-4F73-AF4E-6D18A73CCE4F}" type="datetime1">
+            <a:fld id="{FAE0DFBB-B7C9-4DB3-940E-3F0611407093}" type="datetime1">
               <a:rPr lang="vi-VN"/>
               <a:pPr>
                 <a:defRPr/>
               </a:pPr>
-              <a:t>24/10/2011</a:t>
+              <a:t>26/10/2011</a:t>
             </a:fld>
             <a:endParaRPr lang="en-US"/>
           </a:p>
@@ -4280,7 +4280,7 @@
             <a:pPr>
               <a:defRPr/>
             </a:pPr>
-            <a:fld id="{EA4D46AB-9A17-47BA-A3B3-B8694D99FA0D}" type="slidenum">
+            <a:fld id="{833CD9AC-BD40-49EB-B7A4-0682B298E707}" type="slidenum">
               <a:rPr lang="en-US"/>
               <a:pPr>
                 <a:defRPr/>
@@ -4363,12 +4363,12 @@
             <a:pPr>
               <a:defRPr/>
             </a:pPr>
-            <a:fld id="{A22D9716-0133-496E-8E29-61C8391D92B4}" type="datetime1">
+            <a:fld id="{543ED0F5-89D1-417A-AA7E-B065A59F9893}" type="datetime1">
               <a:rPr lang="vi-VN"/>
               <a:pPr>
                 <a:defRPr/>
               </a:pPr>
-              <a:t>24/10/2011</a:t>
+              <a:t>26/10/2011</a:t>
             </a:fld>
             <a:endParaRPr lang="en-US"/>
           </a:p>
@@ -4429,7 +4429,7 @@
             <a:pPr>
               <a:defRPr/>
             </a:pPr>
-            <a:fld id="{24C14B43-0C96-412B-9ED2-D746E65C5964}" type="slidenum">
+            <a:fld id="{69A06355-9209-48FE-90AE-F08D648517D2}" type="slidenum">
               <a:rPr lang="en-US"/>
               <a:pPr>
                 <a:defRPr/>
@@ -4489,12 +4489,12 @@
             <a:pPr>
               <a:defRPr/>
             </a:pPr>
-            <a:fld id="{6DBFC417-FC29-44B9-9C81-92B7485D4312}" type="datetime1">
+            <a:fld id="{80D065B2-7BD7-49B9-9E7E-86A37F970B4C}" type="datetime1">
               <a:rPr lang="vi-VN"/>
               <a:pPr>
                 <a:defRPr/>
               </a:pPr>
-              <a:t>24/10/2011</a:t>
+              <a:t>26/10/2011</a:t>
             </a:fld>
             <a:endParaRPr lang="en-US"/>
           </a:p>
@@ -4555,7 +4555,7 @@
             <a:pPr>
               <a:defRPr/>
             </a:pPr>
-            <a:fld id="{AECC2739-8818-4299-B158-8B3FA958A215}" type="slidenum">
+            <a:fld id="{80FCA8F8-1315-470E-8249-A399E27307F0}" type="slidenum">
               <a:rPr lang="en-US"/>
               <a:pPr>
                 <a:defRPr/>
@@ -4797,12 +4797,12 @@
             <a:pPr>
               <a:defRPr/>
             </a:pPr>
-            <a:fld id="{2CA11B74-B770-41C8-8B60-6F95AABEFA52}" type="datetime1">
+            <a:fld id="{9C7013EE-8866-47D0-93F1-967432F4A3EA}" type="datetime1">
               <a:rPr lang="vi-VN"/>
               <a:pPr>
                 <a:defRPr/>
               </a:pPr>
-              <a:t>24/10/2011</a:t>
+              <a:t>26/10/2011</a:t>
             </a:fld>
             <a:endParaRPr lang="en-US"/>
           </a:p>
@@ -4863,7 +4863,7 @@
             <a:pPr>
               <a:defRPr/>
             </a:pPr>
-            <a:fld id="{E5B2CA70-2741-456D-94FE-354E657F521D}" type="slidenum">
+            <a:fld id="{D3297CCF-C856-4C88-BB16-EFD728341DC0}" type="slidenum">
               <a:rPr lang="en-US"/>
               <a:pPr>
                 <a:defRPr/>
@@ -5082,12 +5082,12 @@
             <a:pPr>
               <a:defRPr/>
             </a:pPr>
-            <a:fld id="{90DB6A1C-33A7-46F0-87B5-7820D0C80DD7}" type="datetime1">
+            <a:fld id="{8B042B2F-8C98-45CB-974C-FC42A827B834}" type="datetime1">
               <a:rPr lang="vi-VN"/>
               <a:pPr>
                 <a:defRPr/>
               </a:pPr>
-              <a:t>24/10/2011</a:t>
+              <a:t>26/10/2011</a:t>
             </a:fld>
             <a:endParaRPr lang="en-US"/>
           </a:p>
@@ -5148,7 +5148,7 @@
             <a:pPr>
               <a:defRPr/>
             </a:pPr>
-            <a:fld id="{A760E14F-0193-4300-85D0-BAB40243995C}" type="slidenum">
+            <a:fld id="{103D879B-539F-4EAF-8BA1-957BEE3F41F7}" type="slidenum">
               <a:rPr lang="en-US"/>
               <a:pPr>
                 <a:defRPr/>
@@ -5648,12 +5648,12 @@
             <a:pPr>
               <a:defRPr/>
             </a:pPr>
-            <a:fld id="{9174CF33-FA52-4FD3-896A-1C570BB070E0}" type="datetime1">
+            <a:fld id="{7A85CF00-6D4E-40B2-BE0A-348A608DC605}" type="datetime1">
               <a:rPr lang="vi-VN"/>
               <a:pPr>
                 <a:defRPr/>
               </a:pPr>
-              <a:t>24/10/2011</a:t>
+              <a:t>26/10/2011</a:t>
             </a:fld>
             <a:endParaRPr lang="en-US"/>
           </a:p>
@@ -5758,7 +5758,7 @@
             <a:pPr>
               <a:defRPr/>
             </a:pPr>
-            <a:fld id="{E32D2CE3-3E09-42AD-B779-D5032D7A4EAF}" type="slidenum">
+            <a:fld id="{0CFFEBA7-471E-4C38-99B6-126C54BBFA55}" type="slidenum">
               <a:rPr lang="en-US"/>
               <a:pPr>
                 <a:defRPr/>
@@ -5774,16 +5774,16 @@
   <p:clrMap bg1="lt1" tx1="dk1" bg2="lt2" tx2="dk2" accent1="accent1" accent2="accent2" accent3="accent3" accent4="accent4" accent5="accent5" accent6="accent6" hlink="hlink" folHlink="folHlink"/>
   <p:sldLayoutIdLst>
     <p:sldLayoutId id="2147483665" r:id="rId1"/>
-    <p:sldLayoutId id="2147483664" r:id="rId2"/>
-    <p:sldLayoutId id="2147483663" r:id="rId3"/>
-    <p:sldLayoutId id="2147483662" r:id="rId4"/>
-    <p:sldLayoutId id="2147483661" r:id="rId5"/>
-    <p:sldLayoutId id="2147483660" r:id="rId6"/>
-    <p:sldLayoutId id="2147483659" r:id="rId7"/>
-    <p:sldLayoutId id="2147483658" r:id="rId8"/>
-    <p:sldLayoutId id="2147483657" r:id="rId9"/>
-    <p:sldLayoutId id="2147483656" r:id="rId10"/>
-    <p:sldLayoutId id="2147483655" r:id="rId11"/>
+    <p:sldLayoutId id="2147483655" r:id="rId2"/>
+    <p:sldLayoutId id="2147483656" r:id="rId3"/>
+    <p:sldLayoutId id="2147483657" r:id="rId4"/>
+    <p:sldLayoutId id="2147483658" r:id="rId5"/>
+    <p:sldLayoutId id="2147483659" r:id="rId6"/>
+    <p:sldLayoutId id="2147483660" r:id="rId7"/>
+    <p:sldLayoutId id="2147483661" r:id="rId8"/>
+    <p:sldLayoutId id="2147483662" r:id="rId9"/>
+    <p:sldLayoutId id="2147483663" r:id="rId10"/>
+    <p:sldLayoutId id="2147483664" r:id="rId11"/>
   </p:sldLayoutIdLst>
   <p:hf hdr="0"/>
   <p:txStyles>
@@ -6275,10 +6275,10 @@
           <a:bodyPr/>
           <a:lstStyle/>
           <a:p>
-            <a:fld id="{A1B8FB92-78E0-4743-BE33-93976973B08F}" type="datetime1">
+            <a:fld id="{B30B7336-AA02-4DF6-A8B5-DB6601B04CC3}" type="datetime1">
               <a:rPr lang="vi-VN" smtClean="0"/>
               <a:pPr/>
-              <a:t>24/10/2011</a:t>
+              <a:t>26/10/2011</a:t>
             </a:fld>
             <a:endParaRPr lang="en-US" smtClean="0"/>
           </a:p>
@@ -6329,7 +6329,7 @@
           <a:bodyPr/>
           <a:lstStyle/>
           <a:p>
-            <a:fld id="{C16C7C01-51D5-43F6-BAA4-A7AEF2E630F3}" type="slidenum">
+            <a:fld id="{24304320-94A5-447F-BBAB-ACB62B9081AB}" type="slidenum">
               <a:rPr lang="en-US" smtClean="0"/>
               <a:pPr/>
               <a:t>1</a:t>
@@ -6502,7 +6502,7 @@
       </p:grpSpPr>
       <p:sp>
         <p:nvSpPr>
-          <p:cNvPr id="40962" name="Title 1"/>
+          <p:cNvPr id="33793" name="Title 1"/>
           <p:cNvSpPr>
             <a:spLocks noGrp="1"/>
           </p:cNvSpPr>
@@ -6601,7 +6601,7 @@
                 </a:spcAft>
                 <a:defRPr/>
               </a:pPr>
-              <a:t>10/24/2011</a:t>
+              <a:t>10/26/2011</a:t>
             </a:fld>
             <a:endParaRPr lang="en-US" sz="1200">
               <a:solidFill>
@@ -6658,15 +6658,6 @@
               </a:rPr>
               <a:t>Trung Tâm Tin Học - ĐH KHTN - ĐH QG TP.HCM</a:t>
             </a:r>
-            <a:endParaRPr lang="en-US" sz="1200">
-              <a:solidFill>
-                <a:schemeClr val="tx1">
-                  <a:tint val="75000"/>
-                </a:schemeClr>
-              </a:solidFill>
-              <a:latin typeface="+mn-lt"/>
-              <a:cs typeface="+mn-cs"/>
-            </a:endParaRPr>
           </a:p>
         </p:txBody>
       </p:sp>
@@ -6701,7 +6692,7 @@
               </a:spcAft>
               <a:defRPr/>
             </a:pPr>
-            <a:fld id="{74E1CF61-83E1-476B-B0CB-6FC02EC61E40}" type="slidenum">
+            <a:fld id="{26AA78EB-12FC-4ECE-969B-21686A2E671E}" type="slidenum">
               <a:rPr lang="en-US" sz="1200">
                 <a:solidFill>
                   <a:schemeClr val="tx1">
@@ -6736,7 +6727,7 @@
       </p:sp>
       <p:sp>
         <p:nvSpPr>
-          <p:cNvPr id="40966" name="Content Placeholder 7"/>
+          <p:cNvPr id="33797" name="Content Placeholder 7"/>
           <p:cNvSpPr>
             <a:spLocks noGrp="1"/>
           </p:cNvSpPr>
@@ -6813,7 +6804,7 @@
       </p:grpSpPr>
       <p:sp>
         <p:nvSpPr>
-          <p:cNvPr id="43010" name="Title 1"/>
+          <p:cNvPr id="35841" name="Title 1"/>
           <p:cNvSpPr>
             <a:spLocks noGrp="1"/>
           </p:cNvSpPr>
@@ -6889,7 +6880,7 @@
                 </a:spcAft>
                 <a:defRPr/>
               </a:pPr>
-              <a:t>10/24/2011</a:t>
+              <a:t>10/26/2011</a:t>
             </a:fld>
             <a:endParaRPr lang="en-US" sz="1200">
               <a:solidFill>
@@ -6946,15 +6937,6 @@
               </a:rPr>
               <a:t>Trung Tâm Tin Học - ĐH KHTN - ĐH QG TP.HCM</a:t>
             </a:r>
-            <a:endParaRPr lang="en-US" sz="1200">
-              <a:solidFill>
-                <a:schemeClr val="tx1">
-                  <a:tint val="75000"/>
-                </a:schemeClr>
-              </a:solidFill>
-              <a:latin typeface="+mn-lt"/>
-              <a:cs typeface="+mn-cs"/>
-            </a:endParaRPr>
           </a:p>
         </p:txBody>
       </p:sp>
@@ -6989,7 +6971,7 @@
               </a:spcAft>
               <a:defRPr/>
             </a:pPr>
-            <a:fld id="{407A4D38-C7BF-4F84-A1AF-476E69982209}" type="slidenum">
+            <a:fld id="{5ABED425-F7FC-4707-9F58-77AEB72AF0F7}" type="slidenum">
               <a:rPr lang="en-US" sz="1200">
                 <a:solidFill>
                   <a:schemeClr val="tx1">
@@ -7024,7 +7006,7 @@
       </p:sp>
       <p:sp>
         <p:nvSpPr>
-          <p:cNvPr id="43014" name="Content Placeholder 7"/>
+          <p:cNvPr id="35845" name="Content Placeholder 7"/>
           <p:cNvSpPr>
             <a:spLocks noGrp="1"/>
           </p:cNvSpPr>
@@ -7146,7 +7128,7 @@
       </p:grpSpPr>
       <p:sp>
         <p:nvSpPr>
-          <p:cNvPr id="45058" name="Title 1"/>
+          <p:cNvPr id="37889" name="Title 1"/>
           <p:cNvSpPr>
             <a:spLocks noGrp="1"/>
           </p:cNvSpPr>
@@ -7222,7 +7204,7 @@
                 </a:spcAft>
                 <a:defRPr/>
               </a:pPr>
-              <a:t>10/24/2011</a:t>
+              <a:t>10/26/2011</a:t>
             </a:fld>
             <a:endParaRPr lang="en-US" sz="1200">
               <a:solidFill>
@@ -7279,15 +7261,6 @@
               </a:rPr>
               <a:t>Trung Tâm Tin Học - ĐH KHTN - ĐH QG TP.HCM</a:t>
             </a:r>
-            <a:endParaRPr lang="en-US" sz="1200">
-              <a:solidFill>
-                <a:schemeClr val="tx1">
-                  <a:tint val="75000"/>
-                </a:schemeClr>
-              </a:solidFill>
-              <a:latin typeface="+mn-lt"/>
-              <a:cs typeface="+mn-cs"/>
-            </a:endParaRPr>
           </a:p>
         </p:txBody>
       </p:sp>
@@ -7322,7 +7295,7 @@
               </a:spcAft>
               <a:defRPr/>
             </a:pPr>
-            <a:fld id="{B049121F-D962-4F0B-9FBB-4F77267DA68F}" type="slidenum">
+            <a:fld id="{DD975F0D-3785-4216-8FB2-1BE26487AF87}" type="slidenum">
               <a:rPr lang="en-US" sz="1200">
                 <a:solidFill>
                   <a:schemeClr val="tx1">
@@ -7357,7 +7330,7 @@
       </p:sp>
       <p:sp>
         <p:nvSpPr>
-          <p:cNvPr id="45062" name="Content Placeholder 7"/>
+          <p:cNvPr id="37893" name="Content Placeholder 7"/>
           <p:cNvSpPr>
             <a:spLocks noGrp="1"/>
           </p:cNvSpPr>
@@ -7444,7 +7417,7 @@
       </p:grpSpPr>
       <p:sp>
         <p:nvSpPr>
-          <p:cNvPr id="47106" name="Title 1"/>
+          <p:cNvPr id="39937" name="Title 1"/>
           <p:cNvSpPr>
             <a:spLocks noGrp="1"/>
           </p:cNvSpPr>
@@ -7520,7 +7493,7 @@
                 </a:spcAft>
                 <a:defRPr/>
               </a:pPr>
-              <a:t>10/24/2011</a:t>
+              <a:t>10/26/2011</a:t>
             </a:fld>
             <a:endParaRPr lang="en-US" sz="1200">
               <a:solidFill>
@@ -7577,15 +7550,6 @@
               </a:rPr>
               <a:t>Trung Tâm Tin Học - ĐH KHTN - ĐH QG TP.HCM</a:t>
             </a:r>
-            <a:endParaRPr lang="en-US" sz="1200">
-              <a:solidFill>
-                <a:schemeClr val="tx1">
-                  <a:tint val="75000"/>
-                </a:schemeClr>
-              </a:solidFill>
-              <a:latin typeface="+mn-lt"/>
-              <a:cs typeface="+mn-cs"/>
-            </a:endParaRPr>
           </a:p>
         </p:txBody>
       </p:sp>
@@ -7620,7 +7584,7 @@
               </a:spcAft>
               <a:defRPr/>
             </a:pPr>
-            <a:fld id="{2633645D-D06F-4C3D-B7E6-1153CBCBCE6C}" type="slidenum">
+            <a:fld id="{108D0AC7-E35B-4EA1-A6B0-56CD7DF4F6F8}" type="slidenum">
               <a:rPr lang="en-US" sz="1200">
                 <a:solidFill>
                   <a:schemeClr val="tx1">
@@ -7655,7 +7619,7 @@
       </p:sp>
       <p:sp>
         <p:nvSpPr>
-          <p:cNvPr id="47110" name="Content Placeholder 7"/>
+          <p:cNvPr id="39941" name="Content Placeholder 7"/>
           <p:cNvSpPr>
             <a:spLocks noGrp="1"/>
           </p:cNvSpPr>
@@ -7775,7 +7739,7 @@
       </p:grpSpPr>
       <p:sp>
         <p:nvSpPr>
-          <p:cNvPr id="49154" name="Title 1"/>
+          <p:cNvPr id="41985" name="Title 1"/>
           <p:cNvSpPr>
             <a:spLocks noGrp="1"/>
           </p:cNvSpPr>
@@ -7851,7 +7815,7 @@
                 </a:spcAft>
                 <a:defRPr/>
               </a:pPr>
-              <a:t>10/24/2011</a:t>
+              <a:t>10/26/2011</a:t>
             </a:fld>
             <a:endParaRPr lang="en-US" sz="1200">
               <a:solidFill>
@@ -7908,15 +7872,6 @@
               </a:rPr>
               <a:t>Trung Tâm Tin Học - ĐH KHTN - ĐH QG TP.HCM</a:t>
             </a:r>
-            <a:endParaRPr lang="en-US" sz="1200">
-              <a:solidFill>
-                <a:schemeClr val="tx1">
-                  <a:tint val="75000"/>
-                </a:schemeClr>
-              </a:solidFill>
-              <a:latin typeface="+mn-lt"/>
-              <a:cs typeface="+mn-cs"/>
-            </a:endParaRPr>
           </a:p>
         </p:txBody>
       </p:sp>
@@ -7951,7 +7906,7 @@
               </a:spcAft>
               <a:defRPr/>
             </a:pPr>
-            <a:fld id="{7E8BFC14-36BA-40F1-A9A1-59B76D5793C8}" type="slidenum">
+            <a:fld id="{97465F89-82C0-4F35-976A-603D2775BBB4}" type="slidenum">
               <a:rPr lang="en-US" sz="1200">
                 <a:solidFill>
                   <a:schemeClr val="tx1">
@@ -7986,7 +7941,7 @@
       </p:sp>
       <p:sp>
         <p:nvSpPr>
-          <p:cNvPr id="49158" name="Content Placeholder 7"/>
+          <p:cNvPr id="41989" name="Content Placeholder 7"/>
           <p:cNvSpPr>
             <a:spLocks noGrp="1"/>
           </p:cNvSpPr>
@@ -8027,7 +7982,7 @@
             </a:pPr>
             <a:r>
               <a:rPr lang="en-US" sz="2000" smtClean="0"/>
-              <a:t>Kế thừa ContentProvider lớp để cung cấp truy cập dữ liệu</a:t>
+              <a:t>Kế thừa lớp ContentProvider để cung cấp truy cập dữ liệu</a:t>
             </a:r>
           </a:p>
           <a:p>
@@ -8069,7 +8024,7 @@
       </p:grpSpPr>
       <p:sp>
         <p:nvSpPr>
-          <p:cNvPr id="22529" name="Date Placeholder 3"/>
+          <p:cNvPr id="44033" name="Date Placeholder 3"/>
           <p:cNvSpPr>
             <a:spLocks noGrp="1"/>
           </p:cNvSpPr>
@@ -8084,10 +8039,10 @@
           <a:bodyPr/>
           <a:lstStyle/>
           <a:p>
-            <a:fld id="{312F4CF1-1B23-4785-9E92-7AD970C7ECAA}" type="datetime1">
+            <a:fld id="{B85BD852-BB3C-409D-94BB-C2F59B6F63AC}" type="datetime1">
               <a:rPr lang="vi-VN" smtClean="0"/>
               <a:pPr/>
-              <a:t>24/10/2011</a:t>
+              <a:t>26/10/2011</a:t>
             </a:fld>
             <a:endParaRPr lang="en-US" smtClean="0"/>
           </a:p>
@@ -8095,7 +8050,7 @@
       </p:sp>
       <p:sp>
         <p:nvSpPr>
-          <p:cNvPr id="22530" name="Footer Placeholder 4"/>
+          <p:cNvPr id="44034" name="Footer Placeholder 4"/>
           <p:cNvSpPr>
             <a:spLocks noGrp="1"/>
           </p:cNvSpPr>
@@ -8119,7 +8074,7 @@
       </p:sp>
       <p:sp>
         <p:nvSpPr>
-          <p:cNvPr id="22531" name="Slide Number Placeholder 5"/>
+          <p:cNvPr id="44035" name="Slide Number Placeholder 5"/>
           <p:cNvSpPr>
             <a:spLocks noGrp="1"/>
           </p:cNvSpPr>
@@ -8134,7 +8089,7 @@
           <a:bodyPr/>
           <a:lstStyle/>
           <a:p>
-            <a:fld id="{A8CF0EF2-6EE5-43D9-A5F2-CE3B47CC35F4}" type="slidenum">
+            <a:fld id="{3E05EDB6-D559-45C3-8D8A-C944D19DAC03}" type="slidenum">
               <a:rPr lang="en-US" smtClean="0"/>
               <a:pPr/>
               <a:t>15</a:t>
@@ -8145,7 +8100,7 @@
       </p:sp>
       <p:sp>
         <p:nvSpPr>
-          <p:cNvPr id="22532" name="AutoShape 2"/>
+          <p:cNvPr id="44036" name="AutoShape 2"/>
           <p:cNvSpPr>
             <a:spLocks noGrp="1" noChangeArrowheads="1"/>
           </p:cNvSpPr>
@@ -8168,7 +8123,7 @@
       </p:sp>
       <p:pic>
         <p:nvPicPr>
-          <p:cNvPr id="22533" name="Picture 6" descr="Thank you"/>
+          <p:cNvPr id="44037" name="Picture 6" descr="Thank you"/>
           <p:cNvPicPr>
             <a:picLocks noChangeAspect="1" noChangeArrowheads="1"/>
           </p:cNvPicPr>
@@ -8225,7 +8180,7 @@
       </p:grpSpPr>
       <p:sp>
         <p:nvSpPr>
-          <p:cNvPr id="24578" name="Title 1"/>
+          <p:cNvPr id="17409" name="Title 1"/>
           <p:cNvSpPr>
             <a:spLocks noGrp="1"/>
           </p:cNvSpPr>
@@ -8276,7 +8231,7 @@
       </p:sp>
       <p:sp>
         <p:nvSpPr>
-          <p:cNvPr id="24582" name="Content Placeholder 7"/>
+          <p:cNvPr id="17410" name="Content Placeholder 7"/>
           <p:cNvSpPr>
             <a:spLocks noGrp="1"/>
           </p:cNvSpPr>
@@ -8373,7 +8328,7 @@
       </p:grpSpPr>
       <p:sp>
         <p:nvSpPr>
-          <p:cNvPr id="26626" name="Title 1"/>
+          <p:cNvPr id="19457" name="Title 1"/>
           <p:cNvSpPr>
             <a:spLocks noGrp="1"/>
           </p:cNvSpPr>
@@ -8401,7 +8356,7 @@
       </p:sp>
       <p:sp>
         <p:nvSpPr>
-          <p:cNvPr id="8" name="Content Placeholder 7"/>
+          <p:cNvPr id="19458" name="Content Placeholder 7"/>
           <p:cNvSpPr>
             <a:spLocks noGrp="1"/>
           </p:cNvSpPr>
@@ -8416,9 +8371,7 @@
           </a:xfrm>
         </p:spPr>
         <p:txBody>
-          <a:bodyPr>
-            <a:normAutofit/>
-          </a:bodyPr>
+          <a:bodyPr/>
           <a:lstStyle/>
           <a:p>
             <a:r>
@@ -8553,7 +8506,7 @@
       </p:grpSpPr>
       <p:sp>
         <p:nvSpPr>
-          <p:cNvPr id="28674" name="Title 1"/>
+          <p:cNvPr id="21505" name="Title 1"/>
           <p:cNvSpPr>
             <a:spLocks noGrp="1"/>
           </p:cNvSpPr>
@@ -8581,7 +8534,7 @@
       </p:sp>
       <p:sp>
         <p:nvSpPr>
-          <p:cNvPr id="8" name="Content Placeholder 7"/>
+          <p:cNvPr id="21506" name="Content Placeholder 7"/>
           <p:cNvSpPr>
             <a:spLocks noGrp="1"/>
           </p:cNvSpPr>
@@ -8596,9 +8549,7 @@
           </a:xfrm>
         </p:spPr>
         <p:txBody>
-          <a:bodyPr>
-            <a:normAutofit/>
-          </a:bodyPr>
+          <a:bodyPr/>
           <a:lstStyle/>
           <a:p>
             <a:r>
@@ -8719,7 +8670,7 @@
       </p:grpSpPr>
       <p:sp>
         <p:nvSpPr>
-          <p:cNvPr id="30722" name="Title 1"/>
+          <p:cNvPr id="23553" name="Title 1"/>
           <p:cNvSpPr>
             <a:spLocks noGrp="1"/>
           </p:cNvSpPr>
@@ -8747,7 +8698,7 @@
       </p:sp>
       <p:sp>
         <p:nvSpPr>
-          <p:cNvPr id="8" name="Content Placeholder 7"/>
+          <p:cNvPr id="23554" name="Content Placeholder 7"/>
           <p:cNvSpPr>
             <a:spLocks noGrp="1"/>
           </p:cNvSpPr>
@@ -8762,9 +8713,7 @@
           </a:xfrm>
         </p:spPr>
         <p:txBody>
-          <a:bodyPr>
-            <a:normAutofit/>
-          </a:bodyPr>
+          <a:bodyPr/>
           <a:lstStyle/>
           <a:p>
             <a:r>
@@ -8860,7 +8809,7 @@
       </p:grpSpPr>
       <p:sp>
         <p:nvSpPr>
-          <p:cNvPr id="32770" name="Title 1"/>
+          <p:cNvPr id="25601" name="Title 1"/>
           <p:cNvSpPr>
             <a:spLocks noGrp="1"/>
           </p:cNvSpPr>
@@ -8888,7 +8837,7 @@
       </p:sp>
       <p:sp>
         <p:nvSpPr>
-          <p:cNvPr id="8" name="Content Placeholder 7"/>
+          <p:cNvPr id="25602" name="Content Placeholder 7"/>
           <p:cNvSpPr>
             <a:spLocks noGrp="1"/>
           </p:cNvSpPr>
@@ -8903,9 +8852,7 @@
           </a:xfrm>
         </p:spPr>
         <p:txBody>
-          <a:bodyPr>
-            <a:normAutofit/>
-          </a:bodyPr>
+          <a:bodyPr/>
           <a:lstStyle/>
           <a:p>
             <a:r>
@@ -9073,7 +9020,7 @@
       </p:grpSpPr>
       <p:sp>
         <p:nvSpPr>
-          <p:cNvPr id="34818" name="Title 1"/>
+          <p:cNvPr id="27649" name="Title 1"/>
           <p:cNvSpPr>
             <a:spLocks noGrp="1"/>
           </p:cNvSpPr>
@@ -9101,7 +9048,7 @@
       </p:sp>
       <p:sp>
         <p:nvSpPr>
-          <p:cNvPr id="34822" name="Content Placeholder 7"/>
+          <p:cNvPr id="27650" name="Content Placeholder 7"/>
           <p:cNvSpPr>
             <a:spLocks noGrp="1"/>
           </p:cNvSpPr>
@@ -9207,7 +9154,7 @@
       </p:grpSpPr>
       <p:sp>
         <p:nvSpPr>
-          <p:cNvPr id="36866" name="Title 1"/>
+          <p:cNvPr id="29697" name="Title 1"/>
           <p:cNvSpPr>
             <a:spLocks noGrp="1"/>
           </p:cNvSpPr>
@@ -9235,7 +9182,7 @@
       </p:sp>
       <p:sp>
         <p:nvSpPr>
-          <p:cNvPr id="36870" name="Content Placeholder 7"/>
+          <p:cNvPr id="29698" name="Content Placeholder 7"/>
           <p:cNvSpPr>
             <a:spLocks noGrp="1"/>
           </p:cNvSpPr>
@@ -9340,7 +9287,7 @@
       </p:grpSpPr>
       <p:sp>
         <p:nvSpPr>
-          <p:cNvPr id="38914" name="Title 1"/>
+          <p:cNvPr id="31745" name="Title 1"/>
           <p:cNvSpPr>
             <a:spLocks noGrp="1"/>
           </p:cNvSpPr>
@@ -9368,7 +9315,7 @@
       </p:sp>
       <p:sp>
         <p:nvSpPr>
-          <p:cNvPr id="38918" name="Content Placeholder 7"/>
+          <p:cNvPr id="31746" name="Content Placeholder 7"/>
           <p:cNvSpPr>
             <a:spLocks noGrp="1"/>
           </p:cNvSpPr>

--- a/lessions/Android_Par05_IntentAndContentProvider.pptx
+++ b/lessions/Android_Par05_IntentAndContentProvider.pptx
@@ -374,6 +374,11 @@
         </p:txBody>
       </p:sp>
     </p:spTree>
+    <p:extLst>
+      <p:ext uri="{BB962C8B-B14F-4D97-AF65-F5344CB8AC3E}">
+        <p14:creationId xmlns:p14="http://schemas.microsoft.com/office/powerpoint/2010/main" val="3993763713"/>
+      </p:ext>
+    </p:extLst>
   </p:cSld>
   <p:clrMap bg1="lt1" tx1="dk1" bg2="lt2" tx2="dk2" accent1="accent1" accent2="accent2" accent3="accent3" accent4="accent4" accent5="accent5" accent6="accent6" hlink="hlink" folHlink="folHlink"/>
 </p:handoutMaster>
@@ -500,7 +505,7 @@
         <p:nvSpPr>
           <p:cNvPr id="13316" name="Rectangle 4"/>
           <p:cNvSpPr>
-            <a:spLocks noGrp="1" noRot="1" noChangeArrowheads="1" noTextEdit="1"/>
+            <a:spLocks noGrp="1" noRot="1" noChangeAspect="1" noChangeArrowheads="1" noTextEdit="1"/>
           </p:cNvSpPr>
           <p:nvPr>
             <p:ph type="sldImg" idx="2"/>
@@ -696,6 +701,11 @@
         </p:txBody>
       </p:sp>
     </p:spTree>
+    <p:extLst>
+      <p:ext uri="{BB962C8B-B14F-4D97-AF65-F5344CB8AC3E}">
+        <p14:creationId xmlns:p14="http://schemas.microsoft.com/office/powerpoint/2010/main" val="1912330636"/>
+      </p:ext>
+    </p:extLst>
   </p:cSld>
   <p:clrMap bg1="lt1" tx1="dk1" bg2="lt2" tx2="dk2" accent1="accent1" accent2="accent2" accent3="accent3" accent4="accent4" accent5="accent5" accent6="accent6" hlink="hlink" folHlink="folHlink"/>
   <p:notesStyle>
@@ -870,7 +880,7 @@
         <p:nvSpPr>
           <p:cNvPr id="16386" name="Rectangle 2"/>
           <p:cNvSpPr>
-            <a:spLocks noGrp="1" noRot="1" noChangeArrowheads="1" noTextEdit="1"/>
+            <a:spLocks noGrp="1" noRot="1" noChangeAspect="1" noChangeArrowheads="1" noTextEdit="1"/>
           </p:cNvSpPr>
           <p:nvPr>
             <p:ph type="sldImg"/>
@@ -2639,7 +2649,7 @@
               <a:pPr>
                 <a:defRPr/>
               </a:pPr>
-              <a:t>26/10/2011</a:t>
+              <a:t>07/05/2012</a:t>
             </a:fld>
             <a:endParaRPr lang="en-US"/>
           </a:p>
@@ -2807,7 +2817,7 @@
               <a:pPr>
                 <a:defRPr/>
               </a:pPr>
-              <a:t>26/10/2011</a:t>
+              <a:t>07/05/2012</a:t>
             </a:fld>
             <a:endParaRPr lang="en-US"/>
           </a:p>
@@ -3018,7 +3028,7 @@
               <a:pPr>
                 <a:defRPr/>
               </a:pPr>
-              <a:t>26/10/2011</a:t>
+              <a:t>07/05/2012</a:t>
             </a:fld>
             <a:endParaRPr lang="en-US"/>
           </a:p>
@@ -3219,7 +3229,7 @@
               <a:pPr>
                 <a:defRPr/>
               </a:pPr>
-              <a:t>26/10/2011</a:t>
+              <a:t>07/05/2012</a:t>
             </a:fld>
             <a:endParaRPr lang="en-US"/>
           </a:p>
@@ -3442,7 +3452,7 @@
               <a:pPr>
                 <a:defRPr/>
               </a:pPr>
-              <a:t>26/10/2011</a:t>
+              <a:t>07/05/2012</a:t>
             </a:fld>
             <a:endParaRPr lang="en-US"/>
           </a:p>
@@ -3761,7 +3771,7 @@
               <a:pPr>
                 <a:defRPr/>
               </a:pPr>
-              <a:t>26/10/2011</a:t>
+              <a:t>07/05/2012</a:t>
             </a:fld>
             <a:endParaRPr lang="en-US"/>
           </a:p>
@@ -4219,7 +4229,7 @@
               <a:pPr>
                 <a:defRPr/>
               </a:pPr>
-              <a:t>26/10/2011</a:t>
+              <a:t>07/05/2012</a:t>
             </a:fld>
             <a:endParaRPr lang="en-US"/>
           </a:p>
@@ -4368,7 +4378,7 @@
               <a:pPr>
                 <a:defRPr/>
               </a:pPr>
-              <a:t>26/10/2011</a:t>
+              <a:t>07/05/2012</a:t>
             </a:fld>
             <a:endParaRPr lang="en-US"/>
           </a:p>
@@ -4494,7 +4504,7 @@
               <a:pPr>
                 <a:defRPr/>
               </a:pPr>
-              <a:t>26/10/2011</a:t>
+              <a:t>07/05/2012</a:t>
             </a:fld>
             <a:endParaRPr lang="en-US"/>
           </a:p>
@@ -4802,7 +4812,7 @@
               <a:pPr>
                 <a:defRPr/>
               </a:pPr>
-              <a:t>26/10/2011</a:t>
+              <a:t>07/05/2012</a:t>
             </a:fld>
             <a:endParaRPr lang="en-US"/>
           </a:p>
@@ -5087,7 +5097,7 @@
               <a:pPr>
                 <a:defRPr/>
               </a:pPr>
-              <a:t>26/10/2011</a:t>
+              <a:t>07/05/2012</a:t>
             </a:fld>
             <a:endParaRPr lang="en-US"/>
           </a:p>
@@ -5653,7 +5663,7 @@
               <a:pPr>
                 <a:defRPr/>
               </a:pPr>
-              <a:t>26/10/2011</a:t>
+              <a:t>07/05/2012</a:t>
             </a:fld>
             <a:endParaRPr lang="en-US"/>
           </a:p>
@@ -6278,7 +6288,7 @@
             <a:fld id="{B30B7336-AA02-4DF6-A8B5-DB6601B04CC3}" type="datetime1">
               <a:rPr lang="vi-VN" smtClean="0"/>
               <a:pPr/>
-              <a:t>26/10/2011</a:t>
+              <a:t>07/05/2012</a:t>
             </a:fld>
             <a:endParaRPr lang="en-US" smtClean="0"/>
           </a:p>
@@ -6601,7 +6611,7 @@
                 </a:spcAft>
                 <a:defRPr/>
               </a:pPr>
-              <a:t>10/26/2011</a:t>
+              <a:t>5/7/2012</a:t>
             </a:fld>
             <a:endParaRPr lang="en-US" sz="1200">
               <a:solidFill>
@@ -6782,6 +6792,13 @@
   <p:clrMapOvr>
     <a:masterClrMapping/>
   </p:clrMapOvr>
+  <p:timing>
+    <p:tnLst>
+      <p:par>
+        <p:cTn id="1" dur="indefinite" restart="never" nodeType="tmRoot"/>
+      </p:par>
+    </p:tnLst>
+  </p:timing>
 </p:sld>
 </file>
 
@@ -6880,7 +6897,7 @@
                 </a:spcAft>
                 <a:defRPr/>
               </a:pPr>
-              <a:t>10/26/2011</a:t>
+              <a:t>5/7/2012</a:t>
             </a:fld>
             <a:endParaRPr lang="en-US" sz="1200">
               <a:solidFill>
@@ -7204,7 +7221,7 @@
                 </a:spcAft>
                 <a:defRPr/>
               </a:pPr>
-              <a:t>10/26/2011</a:t>
+              <a:t>5/7/2012</a:t>
             </a:fld>
             <a:endParaRPr lang="en-US" sz="1200">
               <a:solidFill>
@@ -7493,7 +7510,7 @@
                 </a:spcAft>
                 <a:defRPr/>
               </a:pPr>
-              <a:t>10/26/2011</a:t>
+              <a:t>5/7/2012</a:t>
             </a:fld>
             <a:endParaRPr lang="en-US" sz="1200">
               <a:solidFill>
@@ -7815,7 +7832,7 @@
                 </a:spcAft>
                 <a:defRPr/>
               </a:pPr>
-              <a:t>10/26/2011</a:t>
+              <a:t>5/7/2012</a:t>
             </a:fld>
             <a:endParaRPr lang="en-US" sz="1200">
               <a:solidFill>
@@ -8042,7 +8059,7 @@
             <a:fld id="{B85BD852-BB3C-409D-94BB-C2F59B6F63AC}" type="datetime1">
               <a:rPr lang="vi-VN" smtClean="0"/>
               <a:pPr/>
-              <a:t>26/10/2011</a:t>
+              <a:t>07/05/2012</a:t>
             </a:fld>
             <a:endParaRPr lang="en-US" smtClean="0"/>
           </a:p>
@@ -8306,6 +8323,13 @@
   <p:clrMapOvr>
     <a:masterClrMapping/>
   </p:clrMapOvr>
+  <p:timing>
+    <p:tnLst>
+      <p:par>
+        <p:cTn id="1" dur="indefinite" restart="never" nodeType="tmRoot"/>
+      </p:par>
+    </p:tnLst>
+  </p:timing>
 </p:sld>
 </file>
 
@@ -8484,6 +8508,13 @@
   <p:clrMapOvr>
     <a:masterClrMapping/>
   </p:clrMapOvr>
+  <p:timing>
+    <p:tnLst>
+      <p:par>
+        <p:cTn id="1" dur="indefinite" restart="never" nodeType="tmRoot"/>
+      </p:par>
+    </p:tnLst>
+  </p:timing>
 </p:sld>
 </file>
 
@@ -8648,6 +8679,13 @@
   <p:clrMapOvr>
     <a:masterClrMapping/>
   </p:clrMapOvr>
+  <p:timing>
+    <p:tnLst>
+      <p:par>
+        <p:cTn id="1" dur="indefinite" restart="never" nodeType="tmRoot"/>
+      </p:par>
+    </p:tnLst>
+  </p:timing>
 </p:sld>
 </file>
 
@@ -8787,6 +8825,13 @@
   <p:clrMapOvr>
     <a:masterClrMapping/>
   </p:clrMapOvr>
+  <p:timing>
+    <p:tnLst>
+      <p:par>
+        <p:cTn id="1" dur="indefinite" restart="never" nodeType="tmRoot"/>
+      </p:par>
+    </p:tnLst>
+  </p:timing>
 </p:sld>
 </file>
 
@@ -8998,6 +9043,13 @@
   <p:clrMapOvr>
     <a:masterClrMapping/>
   </p:clrMapOvr>
+  <p:timing>
+    <p:tnLst>
+      <p:par>
+        <p:cTn id="1" dur="indefinite" restart="never" nodeType="tmRoot"/>
+      </p:par>
+    </p:tnLst>
+  </p:timing>
 </p:sld>
 </file>
 
@@ -9132,6 +9184,13 @@
   <p:clrMapOvr>
     <a:masterClrMapping/>
   </p:clrMapOvr>
+  <p:timing>
+    <p:tnLst>
+      <p:par>
+        <p:cTn id="1" dur="indefinite" restart="never" nodeType="tmRoot"/>
+      </p:par>
+    </p:tnLst>
+  </p:timing>
 </p:sld>
 </file>
 
@@ -9265,6 +9324,13 @@
   <p:clrMapOvr>
     <a:masterClrMapping/>
   </p:clrMapOvr>
+  <p:timing>
+    <p:tnLst>
+      <p:par>
+        <p:cTn id="1" dur="indefinite" restart="never" nodeType="tmRoot"/>
+      </p:par>
+    </p:tnLst>
+  </p:timing>
 </p:sld>
 </file>
 
@@ -9400,6 +9466,13 @@
   <p:clrMapOvr>
     <a:masterClrMapping/>
   </p:clrMapOvr>
+  <p:timing>
+    <p:tnLst>
+      <p:par>
+        <p:cTn id="1" dur="indefinite" restart="never" nodeType="tmRoot"/>
+      </p:par>
+    </p:tnLst>
+  </p:timing>
 </p:sld>
 </file>
 
